--- a/fall13/slidesF13/prepcheck-sep13.pptx
+++ b/fall13/slidesF13/prepcheck-sep13.pptx
@@ -2073,14 +2073,14 @@
       </p:sp>
       <p:sp>
         <p:nvSpPr>
-          <p:cNvPr id="9" name="TextBox 8"/>
+          <p:cNvPr id="3" name="TextBox 2"/>
           <p:cNvSpPr txBox="1"/>
           <p:nvPr/>
         </p:nvSpPr>
         <p:spPr>
           <a:xfrm>
-            <a:off x="304801" y="1549400"/>
-            <a:ext cx="8702020" cy="769441"/>
+            <a:off x="607800" y="1378883"/>
+            <a:ext cx="7436776" cy="4616648"/>
           </a:xfrm>
           <a:prstGeom prst="rect">
             <a:avLst/>
@@ -2088,18 +2088,177 @@
           <a:noFill/>
         </p:spPr>
         <p:txBody>
-          <a:bodyPr wrap="square" rtlCol="0">
+          <a:bodyPr wrap="none" rtlCol="0">
             <a:spAutoFit/>
           </a:bodyPr>
           <a:lstStyle/>
           <a:p>
             <a:pPr algn="l"/>
-            <a:endParaRPr lang="en-US" sz="4400" dirty="0" smtClean="0">
+            <a:r>
+              <a:rPr lang="en-US" sz="5400" dirty="0" smtClean="0">
+                <a:latin typeface="Comic Sans MS" pitchFamily="66" charset="0"/>
+              </a:rPr>
+              <a:t>“</a:t>
+            </a:r>
+            <a:r>
+              <a:rPr lang="en-US" sz="4000" dirty="0">
+                <a:latin typeface="Comic Sans MS" pitchFamily="66" charset="0"/>
+              </a:rPr>
+              <a:t>E</a:t>
+            </a:r>
+            <a:r>
+              <a:rPr lang="en-US" sz="4000" dirty="0" smtClean="0">
+                <a:latin typeface="Comic Sans MS" pitchFamily="66" charset="0"/>
+              </a:rPr>
+              <a:t>very American has a dream”</a:t>
+            </a:r>
+          </a:p>
+          <a:p>
+            <a:pPr algn="l"/>
+            <a:r>
+              <a:rPr lang="en-US" sz="4000" dirty="0" smtClean="0">
+                <a:latin typeface="Comic Sans MS" pitchFamily="66" charset="0"/>
+              </a:rPr>
+              <a:t>can translate into a predicate</a:t>
+            </a:r>
+          </a:p>
+          <a:p>
+            <a:pPr algn="l"/>
+            <a:r>
+              <a:rPr lang="en-US" sz="4000" dirty="0" smtClean="0">
+                <a:latin typeface="Comic Sans MS" pitchFamily="66" charset="0"/>
+              </a:rPr>
+              <a:t>formula as either of</a:t>
+            </a:r>
+          </a:p>
+          <a:p>
+            <a:pPr algn="l"/>
+            <a:endParaRPr lang="en-US" sz="4000" dirty="0" smtClean="0">
               <a:latin typeface="Comic Sans MS" pitchFamily="66" charset="0"/>
             </a:endParaRPr>
           </a:p>
+          <a:p>
+            <a:pPr algn="l"/>
+            <a:endParaRPr lang="en-US" sz="4000" dirty="0" smtClean="0">
+              <a:latin typeface="Comic Sans MS" pitchFamily="66" charset="0"/>
+            </a:endParaRPr>
+          </a:p>
+          <a:p>
+            <a:pPr algn="l"/>
+            <a:r>
+              <a:rPr lang="en-US" sz="4000" dirty="0" smtClean="0">
+                <a:latin typeface="Comic Sans MS" pitchFamily="66" charset="0"/>
+              </a:rPr>
+              <a:t>Briefly explain the different</a:t>
+            </a:r>
+          </a:p>
+          <a:p>
+            <a:pPr algn="l"/>
+            <a:r>
+              <a:rPr lang="en-US" sz="4000" dirty="0" smtClean="0">
+                <a:latin typeface="Comic Sans MS" pitchFamily="66" charset="0"/>
+              </a:rPr>
+              <a:t>meanings of </a:t>
+            </a:r>
+            <a:r>
+              <a:rPr lang="en-US" sz="4000" dirty="0" smtClean="0">
+                <a:solidFill>
+                  <a:srgbClr val="0000FF"/>
+                </a:solidFill>
+                <a:latin typeface="Comic Sans MS" pitchFamily="66" charset="0"/>
+              </a:rPr>
+              <a:t>1.</a:t>
+            </a:r>
+            <a:r>
+              <a:rPr lang="en-US" sz="4000" dirty="0" smtClean="0">
+                <a:latin typeface="Comic Sans MS" pitchFamily="66" charset="0"/>
+              </a:rPr>
+              <a:t> &amp; </a:t>
+            </a:r>
+            <a:r>
+              <a:rPr lang="en-US" sz="4000" dirty="0" smtClean="0">
+                <a:solidFill>
+                  <a:srgbClr val="0000FF"/>
+                </a:solidFill>
+                <a:latin typeface="Comic Sans MS" pitchFamily="66" charset="0"/>
+              </a:rPr>
+              <a:t>2.</a:t>
+            </a:r>
+            <a:r>
+              <a:rPr lang="en-US" sz="4000" dirty="0" smtClean="0">
+                <a:latin typeface="Comic Sans MS" pitchFamily="66" charset="0"/>
+              </a:rPr>
+              <a:t> </a:t>
+            </a:r>
+            <a:r>
+              <a:rPr lang="en-US" sz="4000" dirty="0" smtClean="0">
+                <a:latin typeface="Comic Sans MS" pitchFamily="66" charset="0"/>
+              </a:rPr>
+              <a:t> </a:t>
+            </a:r>
+            <a:endParaRPr lang="en-US" sz="4000" dirty="0" smtClean="0">
+              <a:latin typeface="Comic Sans MS" pitchFamily="66" charset="0"/>
+            </a:endParaRPr>
+          </a:p>
         </p:txBody>
       </p:sp>
+      <p:graphicFrame>
+        <p:nvGraphicFramePr>
+          <p:cNvPr id="4" name="Object 3"/>
+          <p:cNvGraphicFramePr>
+            <a:graphicFrameLocks noChangeAspect="1"/>
+          </p:cNvGraphicFramePr>
+          <p:nvPr>
+            <p:extLst>
+              <p:ext uri="{D42A27DB-BD31-4B8C-83A1-F6EECF244321}">
+                <p14:modId xmlns:p14="http://schemas.microsoft.com/office/powerpoint/2010/main" val="4098882228"/>
+              </p:ext>
+            </p:extLst>
+          </p:nvPr>
+        </p:nvGraphicFramePr>
+        <p:xfrm>
+          <a:off x="652682" y="3436938"/>
+          <a:ext cx="8188325" cy="1352550"/>
+        </p:xfrm>
+        <a:graphic>
+          <a:graphicData uri="http://schemas.openxmlformats.org/presentationml/2006/ole">
+            <mc:AlternateContent xmlns:mc="http://schemas.openxmlformats.org/markup-compatibility/2006">
+              <mc:Choice xmlns:v="urn:schemas-microsoft-com:vml" Requires="v">
+                <p:oleObj spid="_x0000_s1027" name="Equation" r:id="rId3" imgW="2768600" imgH="457200" progId="Equation.DSMT4">
+                  <p:embed/>
+                </p:oleObj>
+              </mc:Choice>
+              <mc:Fallback>
+                <p:oleObj name="Equation" r:id="rId3" imgW="2768600" imgH="457200" progId="Equation.DSMT4">
+                  <p:embed/>
+                  <p:pic>
+                    <p:nvPicPr>
+                      <p:cNvPr id="0" name=""/>
+                      <p:cNvPicPr/>
+                      <p:nvPr/>
+                    </p:nvPicPr>
+                    <p:blipFill>
+                      <a:blip r:embed="rId4"/>
+                      <a:stretch>
+                        <a:fillRect/>
+                      </a:stretch>
+                    </p:blipFill>
+                    <p:spPr>
+                      <a:xfrm>
+                        <a:off x="652682" y="3436938"/>
+                        <a:ext cx="8188325" cy="1352550"/>
+                      </a:xfrm>
+                      <a:prstGeom prst="rect">
+                        <a:avLst/>
+                      </a:prstGeom>
+                    </p:spPr>
+                  </p:pic>
+                </p:oleObj>
+              </mc:Fallback>
+            </mc:AlternateContent>
+          </a:graphicData>
+        </a:graphic>
+      </p:graphicFrame>
     </p:spTree>
     <p:extLst>
       <p:ext uri="{BB962C8B-B14F-4D97-AF65-F5344CB8AC3E}">
